--- a/unterrichtseinheiten/funktionalitaet-von-religion/ppts/4-perspektiven-auf-religion.pptx
+++ b/unterrichtseinheiten/funktionalitaet-von-religion/ppts/4-perspektiven-auf-religion.pptx
@@ -5,16 +5,15 @@
     <p:sldMasterId id="2147483648" r:id="rId1"/>
   </p:sldMasterIdLst>
   <p:notesMasterIdLst>
-    <p:notesMasterId r:id="rId9"/>
+    <p:notesMasterId r:id="rId8"/>
   </p:notesMasterIdLst>
   <p:sldIdLst>
-    <p:sldId id="266" r:id="rId2"/>
-    <p:sldId id="273" r:id="rId3"/>
-    <p:sldId id="268" r:id="rId4"/>
-    <p:sldId id="258" r:id="rId5"/>
-    <p:sldId id="263" r:id="rId6"/>
-    <p:sldId id="261" r:id="rId7"/>
-    <p:sldId id="274" r:id="rId8"/>
+    <p:sldId id="273" r:id="rId2"/>
+    <p:sldId id="268" r:id="rId3"/>
+    <p:sldId id="258" r:id="rId4"/>
+    <p:sldId id="263" r:id="rId5"/>
+    <p:sldId id="261" r:id="rId6"/>
+    <p:sldId id="274" r:id="rId7"/>
   </p:sldIdLst>
   <p:sldSz cx="12192000" cy="6858000"/>
   <p:notesSz cx="6858000" cy="9144000"/>
@@ -126,10 +125,6 @@
 </file>
 
 <file path=ppt/activeX/activeX10.xml><?xml version="1.0" encoding="utf-8"?>
-<ax:ocx xmlns:ax="http://schemas.microsoft.com/office/2006/activeX" xmlns:r="http://schemas.openxmlformats.org/officeDocument/2006/relationships" ax:classid="{8BD21D10-EC42-11CE-9E0D-00AA006002F3}" ax:persistence="persistStorage" r:id="rId1"/>
-</file>
-
-<file path=ppt/activeX/activeX11.xml><?xml version="1.0" encoding="utf-8"?>
 <ax:ocx xmlns:ax="http://schemas.microsoft.com/office/2006/activeX" xmlns:r="http://schemas.openxmlformats.org/officeDocument/2006/relationships" ax:classid="{8BD21D10-EC42-11CE-9E0D-00AA006002F3}" ax:persistence="persistStorage" r:id="rId1"/>
 </file>
 
@@ -3716,77 +3711,6 @@
   <p:cSld>
     <p:spTree>
       <p:nvGrpSpPr>
-        <p:cNvPr id="1" name=""/>
-        <p:cNvGrpSpPr/>
-        <p:nvPr/>
-      </p:nvGrpSpPr>
-      <p:grpSpPr>
-        <a:xfrm>
-          <a:off x="0" y="0"/>
-          <a:ext cx="0" cy="0"/>
-          <a:chOff x="0" y="0"/>
-          <a:chExt cx="0" cy="0"/>
-        </a:xfrm>
-      </p:grpSpPr>
-    </p:spTree>
-    <p:controls>
-      <mc:AlternateContent xmlns:mc="http://schemas.openxmlformats.org/markup-compatibility/2006">
-        <mc:Choice xmlns:v="urn:schemas-microsoft-com:vml" Requires="v">
-          <p:control name="TextBox1" r:id="rId1" imgW="12192120" imgH="6858000"/>
-        </mc:Choice>
-        <mc:Fallback>
-          <p:control name="TextBox1" r:id="rId1" imgW="12192120" imgH="6858000">
-            <p:pic>
-              <p:nvPicPr>
-                <p:cNvPr id="4" name="TextBox1">
-                  <a:extLst>
-                    <a:ext uri="{FF2B5EF4-FFF2-40B4-BE49-F238E27FC236}">
-                      <a16:creationId xmlns:a16="http://schemas.microsoft.com/office/drawing/2014/main" id="{B6EEBB0A-4312-05A6-A55B-CF5F09C489BD}"/>
-                    </a:ext>
-                  </a:extLst>
-                </p:cNvPr>
-                <p:cNvPicPr>
-                  <a:picLocks/>
-                </p:cNvPicPr>
-                <p:nvPr/>
-              </p:nvPicPr>
-              <p:blipFill>
-                <a:blip r:embed="rId3"/>
-                <a:stretch>
-                  <a:fillRect/>
-                </a:stretch>
-              </p:blipFill>
-              <p:spPr>
-                <a:xfrm>
-                  <a:off x="0" y="0"/>
-                  <a:ext cx="12191999" cy="6858000"/>
-                </a:xfrm>
-                <a:prstGeom prst="rect">
-                  <a:avLst/>
-                </a:prstGeom>
-              </p:spPr>
-            </p:pic>
-          </p:control>
-        </mc:Fallback>
-      </mc:AlternateContent>
-    </p:controls>
-    <p:extLst>
-      <p:ext uri="{BB962C8B-B14F-4D97-AF65-F5344CB8AC3E}">
-        <p14:creationId xmlns:p14="http://schemas.microsoft.com/office/powerpoint/2010/main" val="1128874798"/>
-      </p:ext>
-    </p:extLst>
-  </p:cSld>
-  <p:clrMapOvr>
-    <a:masterClrMapping/>
-  </p:clrMapOvr>
-</p:sld>
-</file>
-
-<file path=ppt/slides/slide2.xml><?xml version="1.0" encoding="utf-8"?>
-<p:sld xmlns:a="http://schemas.openxmlformats.org/drawingml/2006/main" xmlns:r="http://schemas.openxmlformats.org/officeDocument/2006/relationships" xmlns:p="http://schemas.openxmlformats.org/presentationml/2006/main">
-  <p:cSld>
-    <p:spTree>
-      <p:nvGrpSpPr>
         <p:cNvPr id="1" name="">
           <a:extLst>
             <a:ext uri="{FF2B5EF4-FFF2-40B4-BE49-F238E27FC236}">
@@ -4270,7 +4194,7 @@
 </p:sld>
 </file>
 
-<file path=ppt/slides/slide3.xml><?xml version="1.0" encoding="utf-8"?>
+<file path=ppt/slides/slide2.xml><?xml version="1.0" encoding="utf-8"?>
 <p:sld xmlns:a="http://schemas.openxmlformats.org/drawingml/2006/main" xmlns:r="http://schemas.openxmlformats.org/officeDocument/2006/relationships" xmlns:p="http://schemas.openxmlformats.org/presentationml/2006/main">
   <p:cSld>
     <p:spTree>
@@ -4343,7 +4267,7 @@
 </p:sld>
 </file>
 
-<file path=ppt/slides/slide4.xml><?xml version="1.0" encoding="utf-8"?>
+<file path=ppt/slides/slide3.xml><?xml version="1.0" encoding="utf-8"?>
 <p:sld xmlns:a="http://schemas.openxmlformats.org/drawingml/2006/main" xmlns:r="http://schemas.openxmlformats.org/officeDocument/2006/relationships" xmlns:p="http://schemas.openxmlformats.org/presentationml/2006/main">
   <p:cSld>
     <p:spTree>
@@ -4414,7 +4338,7 @@
 </p:sld>
 </file>
 
-<file path=ppt/slides/slide5.xml><?xml version="1.0" encoding="utf-8"?>
+<file path=ppt/slides/slide4.xml><?xml version="1.0" encoding="utf-8"?>
 <p:sld xmlns:a="http://schemas.openxmlformats.org/drawingml/2006/main" xmlns:r="http://schemas.openxmlformats.org/officeDocument/2006/relationships" xmlns:p="http://schemas.openxmlformats.org/presentationml/2006/main">
   <p:cSld>
     <p:spTree>
@@ -5059,7 +4983,7 @@
 </p:sld>
 </file>
 
-<file path=ppt/slides/slide6.xml><?xml version="1.0" encoding="utf-8"?>
+<file path=ppt/slides/slide5.xml><?xml version="1.0" encoding="utf-8"?>
 <p:sld xmlns:a="http://schemas.openxmlformats.org/drawingml/2006/main" xmlns:r="http://schemas.openxmlformats.org/officeDocument/2006/relationships" xmlns:p="http://schemas.openxmlformats.org/presentationml/2006/main">
   <p:cSld>
     <p:spTree>
@@ -5130,7 +5054,7 @@
 </p:sld>
 </file>
 
-<file path=ppt/slides/slide7.xml><?xml version="1.0" encoding="utf-8"?>
+<file path=ppt/slides/slide6.xml><?xml version="1.0" encoding="utf-8"?>
 <p:sld xmlns:a="http://schemas.openxmlformats.org/drawingml/2006/main" xmlns:r="http://schemas.openxmlformats.org/officeDocument/2006/relationships" xmlns:p="http://schemas.openxmlformats.org/presentationml/2006/main">
   <p:cSld>
     <p:spTree>
